--- a/PowerPoints/14 - Arrays.pptx
+++ b/PowerPoints/14 - Arrays.pptx
@@ -12139,7 +12139,7 @@
               <a:rPr lang="en-US" sz="1800" dirty="0">
                 <a:latin typeface="Consolas" panose="020B0609020204030204" pitchFamily="49" charset="0"/>
               </a:rPr>
-              <a:t>         // (has the value 2)</a:t>
+              <a:t>         // (has the value 0)</a:t>
             </a:r>
           </a:p>
           <a:p>

--- a/PowerPoints/14 - Arrays.pptx
+++ b/PowerPoints/14 - Arrays.pptx
@@ -12097,7 +12097,19 @@
               <a:rPr lang="en-US" sz="1800" dirty="0">
                 <a:latin typeface="Consolas" panose="020B0609020204030204" pitchFamily="49" charset="0"/>
               </a:rPr>
-              <a:t>a[0]     // integer at index 0 of a1 (the first integer)</a:t>
+              <a:t>a[0]     // integer at index 0 </a:t>
+            </a:r>
+            <a:r>
+              <a:rPr lang="en-US" sz="1800">
+                <a:latin typeface="Consolas" panose="020B0609020204030204" pitchFamily="49" charset="0"/>
+              </a:rPr>
+              <a:t>of a </a:t>
+            </a:r>
+            <a:r>
+              <a:rPr lang="en-US" sz="1800" dirty="0">
+                <a:latin typeface="Consolas" panose="020B0609020204030204" pitchFamily="49" charset="0"/>
+              </a:rPr>
+              <a:t>(the first integer)</a:t>
             </a:r>
           </a:p>
           <a:p>
